--- a/figures/Figure2.pptx
+++ b/figures/Figure2.pptx
@@ -208,7 +208,7 @@
           <a:p>
             <a:fld id="{9BB350EF-1225-4F86-9D67-AD9328D3231D}" type="datetimeFigureOut">
               <a:rPr lang="en-GB" smtClean="0"/>
-              <a:t>29/11/2022</a:t>
+              <a:t>30/03/2023</a:t>
             </a:fld>
             <a:endParaRPr lang="en-GB"/>
           </a:p>
@@ -691,7 +691,7 @@
           <a:p>
             <a:fld id="{A1834766-88F6-411A-AB82-D167DC2E77CF}" type="datetimeFigureOut">
               <a:rPr lang="en-GB" smtClean="0"/>
-              <a:t>29/11/2022</a:t>
+              <a:t>30/03/2023</a:t>
             </a:fld>
             <a:endParaRPr lang="en-GB"/>
           </a:p>
@@ -861,7 +861,7 @@
           <a:p>
             <a:fld id="{A1834766-88F6-411A-AB82-D167DC2E77CF}" type="datetimeFigureOut">
               <a:rPr lang="en-GB" smtClean="0"/>
-              <a:t>29/11/2022</a:t>
+              <a:t>30/03/2023</a:t>
             </a:fld>
             <a:endParaRPr lang="en-GB"/>
           </a:p>
@@ -1041,7 +1041,7 @@
           <a:p>
             <a:fld id="{A1834766-88F6-411A-AB82-D167DC2E77CF}" type="datetimeFigureOut">
               <a:rPr lang="en-GB" smtClean="0"/>
-              <a:t>29/11/2022</a:t>
+              <a:t>30/03/2023</a:t>
             </a:fld>
             <a:endParaRPr lang="en-GB"/>
           </a:p>
@@ -1211,7 +1211,7 @@
           <a:p>
             <a:fld id="{A1834766-88F6-411A-AB82-D167DC2E77CF}" type="datetimeFigureOut">
               <a:rPr lang="en-GB" smtClean="0"/>
-              <a:t>29/11/2022</a:t>
+              <a:t>30/03/2023</a:t>
             </a:fld>
             <a:endParaRPr lang="en-GB"/>
           </a:p>
@@ -1457,7 +1457,7 @@
           <a:p>
             <a:fld id="{A1834766-88F6-411A-AB82-D167DC2E77CF}" type="datetimeFigureOut">
               <a:rPr lang="en-GB" smtClean="0"/>
-              <a:t>29/11/2022</a:t>
+              <a:t>30/03/2023</a:t>
             </a:fld>
             <a:endParaRPr lang="en-GB"/>
           </a:p>
@@ -1689,7 +1689,7 @@
           <a:p>
             <a:fld id="{A1834766-88F6-411A-AB82-D167DC2E77CF}" type="datetimeFigureOut">
               <a:rPr lang="en-GB" smtClean="0"/>
-              <a:t>29/11/2022</a:t>
+              <a:t>30/03/2023</a:t>
             </a:fld>
             <a:endParaRPr lang="en-GB"/>
           </a:p>
@@ -2056,7 +2056,7 @@
           <a:p>
             <a:fld id="{A1834766-88F6-411A-AB82-D167DC2E77CF}" type="datetimeFigureOut">
               <a:rPr lang="en-GB" smtClean="0"/>
-              <a:t>29/11/2022</a:t>
+              <a:t>30/03/2023</a:t>
             </a:fld>
             <a:endParaRPr lang="en-GB"/>
           </a:p>
@@ -2174,7 +2174,7 @@
           <a:p>
             <a:fld id="{A1834766-88F6-411A-AB82-D167DC2E77CF}" type="datetimeFigureOut">
               <a:rPr lang="en-GB" smtClean="0"/>
-              <a:t>29/11/2022</a:t>
+              <a:t>30/03/2023</a:t>
             </a:fld>
             <a:endParaRPr lang="en-GB"/>
           </a:p>
@@ -2269,7 +2269,7 @@
           <a:p>
             <a:fld id="{A1834766-88F6-411A-AB82-D167DC2E77CF}" type="datetimeFigureOut">
               <a:rPr lang="en-GB" smtClean="0"/>
-              <a:t>29/11/2022</a:t>
+              <a:t>30/03/2023</a:t>
             </a:fld>
             <a:endParaRPr lang="en-GB"/>
           </a:p>
@@ -2546,7 +2546,7 @@
           <a:p>
             <a:fld id="{A1834766-88F6-411A-AB82-D167DC2E77CF}" type="datetimeFigureOut">
               <a:rPr lang="en-GB" smtClean="0"/>
-              <a:t>29/11/2022</a:t>
+              <a:t>30/03/2023</a:t>
             </a:fld>
             <a:endParaRPr lang="en-GB"/>
           </a:p>
@@ -2803,7 +2803,7 @@
           <a:p>
             <a:fld id="{A1834766-88F6-411A-AB82-D167DC2E77CF}" type="datetimeFigureOut">
               <a:rPr lang="en-GB" smtClean="0"/>
-              <a:t>29/11/2022</a:t>
+              <a:t>30/03/2023</a:t>
             </a:fld>
             <a:endParaRPr lang="en-GB"/>
           </a:p>
@@ -3016,7 +3016,7 @@
           <a:p>
             <a:fld id="{A1834766-88F6-411A-AB82-D167DC2E77CF}" type="datetimeFigureOut">
               <a:rPr lang="en-GB" smtClean="0"/>
-              <a:t>29/11/2022</a:t>
+              <a:t>30/03/2023</a:t>
             </a:fld>
             <a:endParaRPr lang="en-GB"/>
           </a:p>
@@ -3443,14 +3443,13 @@
               </a:ext>
             </a:extLst>
           </a:blip>
-          <a:stretch>
-            <a:fillRect/>
-          </a:stretch>
+          <a:srcRect/>
+          <a:stretch/>
         </p:blipFill>
         <p:spPr>
           <a:xfrm>
             <a:off x="0" y="0"/>
-            <a:ext cx="4319587" cy="5759450"/>
+            <a:ext cx="4319587" cy="5759449"/>
           </a:xfrm>
           <a:prstGeom prst="rect">
             <a:avLst/>
@@ -3485,7 +3484,7 @@
         <p:spPr>
           <a:xfrm>
             <a:off x="4576433" y="0"/>
-            <a:ext cx="8639174" cy="5759450"/>
+            <a:ext cx="8639174" cy="5759449"/>
           </a:xfrm>
           <a:prstGeom prst="rect">
             <a:avLst/>
